--- a/1 기능 정의/project05 - 기능 정의 - 서희.pptx
+++ b/1 기능 정의/project05 - 기능 정의 - 서희.pptx
@@ -260,7 +260,7 @@
       </p15:sldGuideLst>
     </p:ext>
     <p:ext uri="http://customooxmlschemas.google.com/">
-      <go:slidesCustomData xmlns:go="http://customooxmlschemas.google.com/" xmlns:p15="http://schemas.microsoft.com/office/powerpoint/2012/main" xmlns:p14="http://schemas.microsoft.com/office/powerpoint/2010/main" xmlns:com="http://schemas.openxmlformats.org/drawingml/2006/compatibility" xmlns:pvml="urn:schemas-microsoft-com:office:powerpoint" xmlns:v="urn:schemas-microsoft-com:vml" xmlns:o="urn:schemas-microsoft-com:office:office" xmlns:dgm="http://schemas.openxmlformats.org/drawingml/2006/diagram" xmlns:c="http://schemas.openxmlformats.org/drawingml/2006/chart" xmlns:mv="urn:schemas-microsoft-com:mac:vml" xmlns:mc="http://schemas.openxmlformats.org/markup-compatibility/2006" xmlns="" r:id="rId13" roundtripDataSignature="AMtx7mj/88FBcqyPPfmGLIPH4pRldKDPVw=="/>
+      <go:slidesCustomData xmlns="" xmlns:mc="http://schemas.openxmlformats.org/markup-compatibility/2006" xmlns:mv="urn:schemas-microsoft-com:mac:vml" xmlns:c="http://schemas.openxmlformats.org/drawingml/2006/chart" xmlns:dgm="http://schemas.openxmlformats.org/drawingml/2006/diagram" xmlns:o="urn:schemas-microsoft-com:office:office" xmlns:v="urn:schemas-microsoft-com:vml" xmlns:pvml="urn:schemas-microsoft-com:office:powerpoint" xmlns:com="http://schemas.openxmlformats.org/drawingml/2006/compatibility" xmlns:p14="http://schemas.microsoft.com/office/powerpoint/2010/main" xmlns:p15="http://schemas.microsoft.com/office/powerpoint/2012/main" xmlns:go="http://customooxmlschemas.google.com/" r:id="rId13" roundtripDataSignature="AMtx7mj/88FBcqyPPfmGLIPH4pRldKDPVw=="/>
     </p:ext>
   </p:extLst>
 </p:presentation>
@@ -11788,10 +11788,10 @@
               <a:buNone/>
             </a:pPr>
             <a:r>
-              <a:rPr lang="ko-KR"/>
+              <a:rPr lang="ko-KR" dirty="0"/>
               <a:t>사용자 기능</a:t>
             </a:r>
-            <a:endParaRPr/>
+            <a:endParaRPr dirty="0"/>
           </a:p>
         </p:txBody>
       </p:sp>
@@ -11843,42 +11843,182 @@
             <a:endParaRPr sz="1800" dirty="0"/>
           </a:p>
           <a:p>
-            <a:pPr marL="0" lvl="0" indent="0" algn="l" rtl="0">
-              <a:spcBef>
-                <a:spcPts val="0"/>
-              </a:spcBef>
-              <a:spcAft>
-                <a:spcPts val="0"/>
-              </a:spcAft>
-              <a:buClr>
-                <a:schemeClr val="dk1"/>
-              </a:buClr>
-              <a:buSzPts val="2800"/>
-              <a:buNone/>
-            </a:pPr>
             <a:r>
-              <a:rPr lang="ko-KR" sz="1800" dirty="0"/>
-              <a:t>		</a:t>
+              <a:rPr lang="ko-KR" altLang="en-US" sz="1800" dirty="0"/>
+              <a:t>회원탈퇴</a:t>
             </a:r>
             <a:r>
-              <a:rPr lang="ko-KR" sz="3000" b="1" dirty="0">
-                <a:latin typeface="Impact"/>
-                <a:ea typeface="Impact"/>
-                <a:cs typeface="Impact"/>
-                <a:sym typeface="Impact"/>
-              </a:rPr>
-              <a:t>사용자 </a:t>
+              <a:rPr lang="en-US" altLang="ko-KR" sz="1800" dirty="0"/>
+              <a:t>(</a:t>
             </a:r>
             <a:r>
-              <a:rPr lang="ko-KR" sz="3000" b="1" dirty="0" smtClean="0">
-                <a:latin typeface="Impact"/>
-                <a:ea typeface="Impact"/>
-                <a:cs typeface="Impact"/>
-                <a:sym typeface="Impact"/>
-              </a:rPr>
-              <a:t>공통</a:t>
+              <a:rPr lang="ko-KR" altLang="en-US" sz="1800" dirty="0"/>
+              <a:t>탈퇴시 관리자페이지에 탈퇴한 회원 표시</a:t>
             </a:r>
-            <a:endParaRPr sz="1800" dirty="0"/>
+            <a:r>
+              <a:rPr lang="en-US" altLang="ko-KR" sz="1800" dirty="0"/>
+              <a:t>), </a:t>
+            </a:r>
+            <a:r>
+              <a:rPr lang="ko-KR" altLang="en-US" sz="1800" dirty="0"/>
+              <a:t>회원 가입</a:t>
+            </a:r>
+            <a:r>
+              <a:rPr lang="en-US" altLang="ko-KR" sz="1800" dirty="0"/>
+              <a:t>, </a:t>
+            </a:r>
+            <a:r>
+              <a:rPr lang="ko-KR" altLang="en-US" sz="1800" dirty="0"/>
+              <a:t>회원 로그인</a:t>
+            </a:r>
+            <a:endParaRPr lang="en-US" altLang="ko-KR" sz="1800" dirty="0"/>
+          </a:p>
+          <a:p>
+            <a:r>
+              <a:rPr lang="ko-KR" altLang="en-US" sz="1800" dirty="0"/>
+              <a:t>마이페이지 </a:t>
+            </a:r>
+            <a:r>
+              <a:rPr lang="en-US" altLang="ko-KR" sz="1800" dirty="0"/>
+              <a:t>: </a:t>
+            </a:r>
+            <a:r>
+              <a:rPr lang="ko-KR" altLang="en-US" sz="1800" dirty="0"/>
+              <a:t>프로필사진</a:t>
+            </a:r>
+            <a:r>
+              <a:rPr lang="en-US" altLang="ko-KR" sz="1800" dirty="0"/>
+              <a:t>, </a:t>
+            </a:r>
+            <a:r>
+              <a:rPr lang="ko-KR" altLang="en-US" sz="1800" dirty="0"/>
+              <a:t>닉네임</a:t>
+            </a:r>
+            <a:r>
+              <a:rPr lang="en-US" altLang="ko-KR" sz="1800" dirty="0"/>
+              <a:t>, </a:t>
+            </a:r>
+            <a:r>
+              <a:rPr lang="ko-KR" altLang="en-US" sz="1800" dirty="0"/>
+              <a:t>이메일</a:t>
+            </a:r>
+            <a:r>
+              <a:rPr lang="en-US" altLang="ko-KR" sz="1800" dirty="0"/>
+              <a:t>, </a:t>
+            </a:r>
+          </a:p>
+          <a:p>
+            <a:r>
+              <a:rPr lang="ko-KR" altLang="en-US" sz="1800" dirty="0"/>
+              <a:t>대관 예약 리스트</a:t>
+            </a:r>
+            <a:r>
+              <a:rPr lang="en-US" altLang="ko-KR" sz="1800" dirty="0"/>
+              <a:t>/</a:t>
+            </a:r>
+            <a:r>
+              <a:rPr lang="ko-KR" altLang="en-US" sz="1800" dirty="0"/>
+              <a:t>행사 참여 예약 리스트</a:t>
+            </a:r>
+            <a:endParaRPr lang="en-US" altLang="ko-KR" sz="1800" dirty="0"/>
+          </a:p>
+          <a:p>
+            <a:r>
+              <a:rPr lang="ko-KR" altLang="en-US" sz="1800" dirty="0"/>
+              <a:t>대관 시설</a:t>
+            </a:r>
+            <a:r>
+              <a:rPr lang="en-US" altLang="ko-KR" sz="1800" dirty="0"/>
+              <a:t>(4) </a:t>
+            </a:r>
+            <a:r>
+              <a:rPr lang="ko-KR" altLang="en-US" sz="1800" dirty="0"/>
+              <a:t>소개</a:t>
+            </a:r>
+            <a:r>
+              <a:rPr lang="en-US" altLang="ko-KR" sz="1800" dirty="0"/>
+              <a:t>/</a:t>
+            </a:r>
+            <a:r>
+              <a:rPr lang="ko-KR" altLang="en-US" sz="1800" dirty="0"/>
+              <a:t>시간 예약</a:t>
+            </a:r>
+            <a:endParaRPr lang="en-US" altLang="ko-KR" sz="1800" dirty="0"/>
+          </a:p>
+          <a:p>
+            <a:r>
+              <a:rPr lang="ko-KR" altLang="en-US" sz="1800" dirty="0"/>
+              <a:t>행사 소개</a:t>
+            </a:r>
+            <a:r>
+              <a:rPr lang="en-US" altLang="ko-KR" sz="1800" dirty="0"/>
+              <a:t>(8) / </a:t>
+            </a:r>
+            <a:r>
+              <a:rPr lang="ko-KR" altLang="en-US" sz="1800" dirty="0"/>
+              <a:t>자리 예약</a:t>
+            </a:r>
+            <a:endParaRPr lang="en-US" altLang="ko-KR" sz="1800" dirty="0"/>
+          </a:p>
+          <a:p>
+            <a:r>
+              <a:rPr lang="ko-KR" altLang="en-US" sz="1800" dirty="0"/>
+              <a:t>결제</a:t>
+            </a:r>
+            <a:r>
+              <a:rPr lang="en-US" altLang="ko-KR" sz="1800" dirty="0"/>
+              <a:t>/</a:t>
+            </a:r>
+            <a:r>
+              <a:rPr lang="ko-KR" altLang="en-US" sz="1800" dirty="0"/>
+              <a:t>예약취소</a:t>
+            </a:r>
+            <a:endParaRPr lang="en-US" altLang="ko-KR" sz="1800" dirty="0"/>
+          </a:p>
+          <a:p>
+            <a:r>
+              <a:rPr lang="ko-KR" altLang="en-US" sz="1800" dirty="0"/>
+              <a:t>메인페이지 </a:t>
+            </a:r>
+            <a:r>
+              <a:rPr lang="en-US" altLang="ko-KR" sz="1800" dirty="0"/>
+              <a:t>(</a:t>
+            </a:r>
+            <a:r>
+              <a:rPr lang="ko-KR" altLang="en-US" sz="1800" dirty="0"/>
+              <a:t>슬라이드 배너</a:t>
+            </a:r>
+            <a:r>
+              <a:rPr lang="en-US" altLang="ko-KR" sz="1800" dirty="0"/>
+              <a:t>, </a:t>
+            </a:r>
+            <a:r>
+              <a:rPr lang="ko-KR" altLang="en-US" sz="1800" dirty="0"/>
+              <a:t>더보기</a:t>
+            </a:r>
+            <a:r>
+              <a:rPr lang="en-US" altLang="ko-KR" sz="1800" dirty="0"/>
+              <a:t>, </a:t>
+            </a:r>
+            <a:r>
+              <a:rPr lang="ko-KR" altLang="en-US" sz="1800" dirty="0"/>
+              <a:t>추천 행사</a:t>
+            </a:r>
+            <a:r>
+              <a:rPr lang="en-US" altLang="ko-KR" sz="1800" dirty="0"/>
+              <a:t>, </a:t>
+            </a:r>
+            <a:r>
+              <a:rPr lang="ko-KR" altLang="en-US" sz="1800" dirty="0"/>
+              <a:t>대관시설 이미지</a:t>
+            </a:r>
+            <a:r>
+              <a:rPr lang="en-US" altLang="ko-KR" sz="1800" dirty="0"/>
+              <a:t>)</a:t>
+            </a:r>
+          </a:p>
+          <a:p>
+            <a:endParaRPr lang="en-US" altLang="ko-KR" sz="1800" dirty="0"/>
           </a:p>
         </p:txBody>
       </p:sp>
@@ -11989,6 +12129,420 @@
             <a:normAutofit/>
           </a:bodyPr>
           <a:lstStyle/>
+          <a:p>
+            <a:pPr marL="457200" lvl="0" indent="-342900" algn="l" rtl="0">
+              <a:lnSpc>
+                <a:spcPct val="90000"/>
+              </a:lnSpc>
+              <a:spcBef>
+                <a:spcPts val="0"/>
+              </a:spcBef>
+              <a:spcAft>
+                <a:spcPts val="0"/>
+              </a:spcAft>
+              <a:buSzPts val="1800"/>
+              <a:buAutoNum type="arabicPeriod"/>
+            </a:pPr>
+            <a:r>
+              <a:rPr lang="ko-KR" altLang="en-US" sz="1800" dirty="0"/>
+              <a:t>행사관리 </a:t>
+            </a:r>
+            <a:r>
+              <a:rPr lang="en-US" altLang="ko-KR" sz="1800" dirty="0"/>
+              <a:t>(</a:t>
+            </a:r>
+            <a:r>
+              <a:rPr lang="ko-KR" altLang="en-US" sz="1800" dirty="0"/>
+              <a:t>행사명</a:t>
+            </a:r>
+            <a:r>
+              <a:rPr lang="en-US" altLang="ko-KR" sz="1800" dirty="0"/>
+              <a:t>, </a:t>
+            </a:r>
+            <a:r>
+              <a:rPr lang="ko-KR" altLang="en-US" sz="1800" dirty="0"/>
+              <a:t>이미지</a:t>
+            </a:r>
+            <a:r>
+              <a:rPr lang="en-US" altLang="ko-KR" sz="1800" dirty="0"/>
+              <a:t>, </a:t>
+            </a:r>
+            <a:r>
+              <a:rPr lang="ko-KR" altLang="en-US" sz="1800" dirty="0"/>
+              <a:t>텍스트</a:t>
+            </a:r>
+            <a:r>
+              <a:rPr lang="en-US" altLang="ko-KR" sz="1800" dirty="0"/>
+              <a:t>, </a:t>
+            </a:r>
+            <a:r>
+              <a:rPr lang="ko-KR" altLang="en-US" sz="1800" dirty="0"/>
+              <a:t>시간</a:t>
+            </a:r>
+            <a:r>
+              <a:rPr lang="en-US" altLang="ko-KR" sz="1800" dirty="0"/>
+              <a:t>, </a:t>
+            </a:r>
+            <a:r>
+              <a:rPr lang="ko-KR" altLang="en-US" sz="1800" dirty="0"/>
+              <a:t>참여자 목록</a:t>
+            </a:r>
+            <a:r>
+              <a:rPr lang="en-US" altLang="ko-KR" sz="1800" dirty="0"/>
+              <a:t>, </a:t>
+            </a:r>
+            <a:r>
+              <a:rPr lang="ko-KR" altLang="en-US" sz="1800" dirty="0"/>
+              <a:t>참여자 좌석 배치</a:t>
+            </a:r>
+            <a:r>
+              <a:rPr lang="en-US" altLang="ko-KR" sz="1800" dirty="0"/>
+              <a:t>, </a:t>
+            </a:r>
+            <a:r>
+              <a:rPr lang="ko-KR" altLang="en-US" sz="1800" dirty="0"/>
+              <a:t>남은 좌석수</a:t>
+            </a:r>
+            <a:r>
+              <a:rPr lang="en-US" altLang="ko-KR" sz="1800" dirty="0"/>
+              <a:t>, </a:t>
+            </a:r>
+            <a:r>
+              <a:rPr lang="ko-KR" altLang="en-US" sz="1800" dirty="0"/>
+              <a:t>예약 취소 및 환불</a:t>
+            </a:r>
+            <a:r>
+              <a:rPr lang="en-US" altLang="ko-KR" sz="1800" dirty="0"/>
+              <a:t>)</a:t>
+            </a:r>
+          </a:p>
+          <a:p>
+            <a:pPr marL="457200" lvl="0" indent="-342900" algn="l" rtl="0">
+              <a:lnSpc>
+                <a:spcPct val="90000"/>
+              </a:lnSpc>
+              <a:spcBef>
+                <a:spcPts val="0"/>
+              </a:spcBef>
+              <a:spcAft>
+                <a:spcPts val="0"/>
+              </a:spcAft>
+              <a:buSzPts val="1800"/>
+              <a:buAutoNum type="arabicPeriod"/>
+            </a:pPr>
+            <a:endParaRPr lang="en-US" altLang="ko-KR" sz="1800" dirty="0"/>
+          </a:p>
+          <a:p>
+            <a:pPr marL="457200" lvl="0" indent="-342900" algn="l" rtl="0">
+              <a:lnSpc>
+                <a:spcPct val="90000"/>
+              </a:lnSpc>
+              <a:spcBef>
+                <a:spcPts val="0"/>
+              </a:spcBef>
+              <a:spcAft>
+                <a:spcPts val="0"/>
+              </a:spcAft>
+              <a:buSzPts val="1800"/>
+              <a:buAutoNum type="arabicPeriod"/>
+            </a:pPr>
+            <a:r>
+              <a:rPr lang="ko-KR" altLang="en-US" sz="1800" dirty="0"/>
+              <a:t>대관시설관리 </a:t>
+            </a:r>
+            <a:r>
+              <a:rPr lang="en-US" altLang="ko-KR" sz="1800" dirty="0"/>
+              <a:t>(</a:t>
+            </a:r>
+            <a:r>
+              <a:rPr lang="ko-KR" altLang="en-US" sz="1800" dirty="0"/>
+              <a:t>대관시설명</a:t>
+            </a:r>
+            <a:r>
+              <a:rPr lang="en-US" altLang="ko-KR" sz="1800" dirty="0"/>
+              <a:t>, </a:t>
+            </a:r>
+            <a:r>
+              <a:rPr lang="ko-KR" altLang="en-US" sz="1800" dirty="0"/>
+              <a:t>예약내역</a:t>
+            </a:r>
+            <a:r>
+              <a:rPr lang="en-US" altLang="ko-KR" sz="1800" dirty="0"/>
+              <a:t>, </a:t>
+            </a:r>
+            <a:r>
+              <a:rPr lang="ko-KR" altLang="en-US" sz="1800" dirty="0"/>
+              <a:t>지난 대관 내역</a:t>
+            </a:r>
+            <a:r>
+              <a:rPr lang="en-US" altLang="ko-KR" sz="1800" dirty="0"/>
+              <a:t>, </a:t>
+            </a:r>
+            <a:r>
+              <a:rPr lang="ko-KR" altLang="en-US" sz="1800" dirty="0"/>
+              <a:t>대관 취소 및 환불</a:t>
+            </a:r>
+            <a:r>
+              <a:rPr lang="en-US" altLang="ko-KR" sz="1800" dirty="0"/>
+              <a:t>)</a:t>
+            </a:r>
+          </a:p>
+          <a:p>
+            <a:pPr marL="457200" lvl="0" indent="-342900" algn="l" rtl="0">
+              <a:lnSpc>
+                <a:spcPct val="90000"/>
+              </a:lnSpc>
+              <a:spcBef>
+                <a:spcPts val="0"/>
+              </a:spcBef>
+              <a:spcAft>
+                <a:spcPts val="0"/>
+              </a:spcAft>
+              <a:buSzPts val="1800"/>
+              <a:buAutoNum type="arabicPeriod"/>
+            </a:pPr>
+            <a:endParaRPr lang="en-US" altLang="ko-KR" sz="1800" dirty="0"/>
+          </a:p>
+          <a:p>
+            <a:pPr marL="457200" lvl="0" indent="-342900" algn="l" rtl="0">
+              <a:lnSpc>
+                <a:spcPct val="90000"/>
+              </a:lnSpc>
+              <a:spcBef>
+                <a:spcPts val="0"/>
+              </a:spcBef>
+              <a:spcAft>
+                <a:spcPts val="0"/>
+              </a:spcAft>
+              <a:buSzPts val="1800"/>
+              <a:buAutoNum type="arabicPeriod"/>
+            </a:pPr>
+            <a:r>
+              <a:rPr lang="ko-KR" altLang="en-US" sz="1800" dirty="0"/>
+              <a:t>슬라이드배너관리 </a:t>
+            </a:r>
+            <a:r>
+              <a:rPr lang="en-US" altLang="ko-KR" sz="1800" dirty="0"/>
+              <a:t>(</a:t>
+            </a:r>
+            <a:r>
+              <a:rPr lang="ko-KR" altLang="en-US" sz="1800" dirty="0"/>
+              <a:t>슬라이드 타이틀</a:t>
+            </a:r>
+            <a:r>
+              <a:rPr lang="en-US" altLang="ko-KR" sz="1800" dirty="0"/>
+              <a:t>, </a:t>
+            </a:r>
+            <a:r>
+              <a:rPr lang="ko-KR" altLang="en-US" sz="1800" dirty="0"/>
+              <a:t>이미지</a:t>
+            </a:r>
+            <a:r>
+              <a:rPr lang="en-US" altLang="ko-KR" sz="1800" dirty="0"/>
+              <a:t>, </a:t>
+            </a:r>
+            <a:r>
+              <a:rPr lang="ko-KR" altLang="en-US" sz="1800" dirty="0"/>
+              <a:t>업로드 일시</a:t>
+            </a:r>
+            <a:r>
+              <a:rPr lang="en-US" altLang="ko-KR" sz="1800" dirty="0"/>
+              <a:t>)</a:t>
+            </a:r>
+          </a:p>
+          <a:p>
+            <a:pPr marL="457200" lvl="0" indent="-342900" algn="l" rtl="0">
+              <a:lnSpc>
+                <a:spcPct val="90000"/>
+              </a:lnSpc>
+              <a:spcBef>
+                <a:spcPts val="0"/>
+              </a:spcBef>
+              <a:spcAft>
+                <a:spcPts val="0"/>
+              </a:spcAft>
+              <a:buSzPts val="1800"/>
+              <a:buAutoNum type="arabicPeriod"/>
+            </a:pPr>
+            <a:endParaRPr lang="en-US" altLang="ko-KR" sz="1800" dirty="0"/>
+          </a:p>
+          <a:p>
+            <a:pPr marL="457200" lvl="0" indent="-342900" algn="l" rtl="0">
+              <a:lnSpc>
+                <a:spcPct val="90000"/>
+              </a:lnSpc>
+              <a:spcBef>
+                <a:spcPts val="0"/>
+              </a:spcBef>
+              <a:spcAft>
+                <a:spcPts val="0"/>
+              </a:spcAft>
+              <a:buSzPts val="1800"/>
+              <a:buAutoNum type="arabicPeriod"/>
+            </a:pPr>
+            <a:r>
+              <a:rPr lang="ko-KR" altLang="en-US" sz="1800" dirty="0"/>
+              <a:t>회원관리 </a:t>
+            </a:r>
+            <a:r>
+              <a:rPr lang="en-US" altLang="ko-KR" sz="1800" dirty="0"/>
+              <a:t>(</a:t>
+            </a:r>
+            <a:r>
+              <a:rPr lang="ko-KR" altLang="en-US" sz="1800" dirty="0"/>
+              <a:t>회원 계정 상태 변경</a:t>
+            </a:r>
+            <a:r>
+              <a:rPr lang="en-US" altLang="ko-KR" sz="1800" dirty="0"/>
+              <a:t>-</a:t>
+            </a:r>
+            <a:r>
+              <a:rPr lang="ko-KR" altLang="en-US" sz="1800" dirty="0"/>
+              <a:t>영구정지</a:t>
+            </a:r>
+            <a:r>
+              <a:rPr lang="en-US" altLang="ko-KR" sz="1800" dirty="0"/>
+              <a:t>,</a:t>
+            </a:r>
+            <a:r>
+              <a:rPr lang="ko-KR" altLang="en-US" sz="1800" dirty="0"/>
+              <a:t>일주일계정정지</a:t>
+            </a:r>
+            <a:r>
+              <a:rPr lang="en-US" altLang="ko-KR" sz="1800" dirty="0"/>
+              <a:t>, </a:t>
+            </a:r>
+            <a:r>
+              <a:rPr lang="ko-KR" altLang="en-US" sz="1800" dirty="0"/>
+              <a:t>한달 계정정지</a:t>
+            </a:r>
+            <a:r>
+              <a:rPr lang="en-US" altLang="ko-KR" sz="1800" dirty="0"/>
+              <a:t>, </a:t>
+            </a:r>
+            <a:r>
+              <a:rPr lang="ko-KR" altLang="en-US" sz="1800" dirty="0"/>
+              <a:t>정상이용</a:t>
+            </a:r>
+            <a:r>
+              <a:rPr lang="en-US" altLang="ko-KR" sz="1800" dirty="0"/>
+              <a:t>)</a:t>
+            </a:r>
+          </a:p>
+          <a:p>
+            <a:pPr marL="457200" lvl="0" indent="-342900" algn="l" rtl="0">
+              <a:lnSpc>
+                <a:spcPct val="90000"/>
+              </a:lnSpc>
+              <a:spcBef>
+                <a:spcPts val="0"/>
+              </a:spcBef>
+              <a:spcAft>
+                <a:spcPts val="0"/>
+              </a:spcAft>
+              <a:buSzPts val="1800"/>
+              <a:buAutoNum type="arabicPeriod"/>
+            </a:pPr>
+            <a:endParaRPr lang="en-US" altLang="ko-KR" sz="1800" dirty="0"/>
+          </a:p>
+          <a:p>
+            <a:pPr marL="457200" lvl="0" indent="-342900" algn="l" rtl="0">
+              <a:lnSpc>
+                <a:spcPct val="90000"/>
+              </a:lnSpc>
+              <a:spcBef>
+                <a:spcPts val="0"/>
+              </a:spcBef>
+              <a:spcAft>
+                <a:spcPts val="0"/>
+              </a:spcAft>
+              <a:buSzPts val="1800"/>
+              <a:buAutoNum type="arabicPeriod"/>
+            </a:pPr>
+            <a:r>
+              <a:rPr lang="ko-KR" altLang="en-US" sz="1800" dirty="0"/>
+              <a:t>공지사항 관리</a:t>
+            </a:r>
+            <a:r>
+              <a:rPr lang="en-US" altLang="ko-KR" sz="1800" dirty="0"/>
+              <a:t>(</a:t>
+            </a:r>
+            <a:r>
+              <a:rPr lang="ko-KR" altLang="en-US" sz="1800" dirty="0"/>
+              <a:t>최상단 노출 게시물 선택</a:t>
+            </a:r>
+            <a:r>
+              <a:rPr lang="en-US" altLang="ko-KR" sz="1800" dirty="0"/>
+              <a:t>)</a:t>
+            </a:r>
+          </a:p>
+          <a:p>
+            <a:pPr marL="457200" lvl="0" indent="-342900" algn="l" rtl="0">
+              <a:lnSpc>
+                <a:spcPct val="90000"/>
+              </a:lnSpc>
+              <a:spcBef>
+                <a:spcPts val="0"/>
+              </a:spcBef>
+              <a:spcAft>
+                <a:spcPts val="0"/>
+              </a:spcAft>
+              <a:buSzPts val="1800"/>
+              <a:buAutoNum type="arabicPeriod"/>
+            </a:pPr>
+            <a:endParaRPr lang="en-US" altLang="ko-KR" sz="1800" dirty="0"/>
+          </a:p>
+          <a:p>
+            <a:pPr marL="457200" lvl="0" indent="-342900" algn="l" rtl="0">
+              <a:lnSpc>
+                <a:spcPct val="90000"/>
+              </a:lnSpc>
+              <a:spcBef>
+                <a:spcPts val="0"/>
+              </a:spcBef>
+              <a:spcAft>
+                <a:spcPts val="0"/>
+              </a:spcAft>
+              <a:buSzPts val="1800"/>
+              <a:buAutoNum type="arabicPeriod"/>
+            </a:pPr>
+            <a:r>
+              <a:rPr lang="en-US" altLang="ko-KR" sz="1800" dirty="0"/>
+              <a:t>FAQ </a:t>
+            </a:r>
+            <a:r>
+              <a:rPr lang="ko-KR" altLang="en-US" sz="1800" dirty="0"/>
+              <a:t>관리 </a:t>
+            </a:r>
+            <a:r>
+              <a:rPr lang="en-US" altLang="ko-KR" sz="1800" dirty="0"/>
+              <a:t>(</a:t>
+            </a:r>
+            <a:r>
+              <a:rPr lang="ko-KR" altLang="en-US" sz="1800" dirty="0"/>
+              <a:t>내용 수정</a:t>
+            </a:r>
+            <a:r>
+              <a:rPr lang="en-US" altLang="ko-KR" sz="1800" dirty="0"/>
+              <a:t>, </a:t>
+            </a:r>
+            <a:r>
+              <a:rPr lang="ko-KR" altLang="en-US" sz="1800" dirty="0"/>
+              <a:t>삭제</a:t>
+            </a:r>
+            <a:r>
+              <a:rPr lang="en-US" altLang="ko-KR" sz="1800" dirty="0"/>
+              <a:t>, </a:t>
+            </a:r>
+            <a:r>
+              <a:rPr lang="ko-KR" altLang="en-US" sz="1800" dirty="0"/>
+              <a:t>게시글 순서</a:t>
+            </a:r>
+            <a:r>
+              <a:rPr lang="en-US" altLang="ko-KR" sz="1800" dirty="0"/>
+              <a:t>)</a:t>
+            </a:r>
+          </a:p>
           <a:p>
             <a:pPr marL="457200" lvl="0" indent="-342900" algn="l" rtl="0">
               <a:lnSpc>
@@ -12079,17 +12633,17 @@
               <a:buNone/>
             </a:pPr>
             <a:r>
-              <a:rPr lang="ko-KR"/>
+              <a:rPr lang="ko-KR" dirty="0"/>
               <a:t>기타 아무거나 넣고 싶은 기능???</a:t>
             </a:r>
             <a:br>
-              <a:rPr lang="ko-KR"/>
+              <a:rPr lang="ko-KR" dirty="0"/>
             </a:br>
             <a:r>
-              <a:rPr lang="ko-KR"/>
+              <a:rPr lang="ko-KR" dirty="0"/>
               <a:t>기브미 아이디어</a:t>
             </a:r>
-            <a:endParaRPr/>
+            <a:endParaRPr dirty="0"/>
           </a:p>
         </p:txBody>
       </p:sp>
@@ -12138,7 +12692,104 @@
               <a:buSzPts val="2800"/>
               <a:buNone/>
             </a:pPr>
-            <a:endParaRPr/>
+            <a:r>
+              <a:rPr lang="ko-KR" altLang="en-US" dirty="0"/>
+              <a:t>대관 시설 이름</a:t>
+            </a:r>
+            <a:r>
+              <a:rPr lang="en-US" altLang="ko-KR" dirty="0"/>
+              <a:t>, </a:t>
+            </a:r>
+            <a:r>
+              <a:rPr lang="ko-KR" altLang="en-US" dirty="0"/>
+              <a:t>로고</a:t>
+            </a:r>
+            <a:r>
+              <a:rPr lang="en-US" altLang="ko-KR" dirty="0"/>
+              <a:t> </a:t>
+            </a:r>
+            <a:r>
+              <a:rPr lang="ko-KR" altLang="en-US" dirty="0"/>
+              <a:t>정해야할듯</a:t>
+            </a:r>
+            <a:endParaRPr lang="en-US" altLang="ko-KR" dirty="0"/>
+          </a:p>
+          <a:p>
+            <a:pPr marL="228600" lvl="0" indent="-50800" algn="l" rtl="0">
+              <a:lnSpc>
+                <a:spcPct val="90000"/>
+              </a:lnSpc>
+              <a:spcBef>
+                <a:spcPts val="0"/>
+              </a:spcBef>
+              <a:spcAft>
+                <a:spcPts val="0"/>
+              </a:spcAft>
+              <a:buClr>
+                <a:schemeClr val="dk1"/>
+              </a:buClr>
+              <a:buSzPts val="2800"/>
+              <a:buNone/>
+            </a:pPr>
+            <a:r>
+              <a:rPr lang="ko-KR" altLang="en-US" dirty="0"/>
+              <a:t>행사 </a:t>
+            </a:r>
+            <a:r>
+              <a:rPr lang="en-US" altLang="ko-KR" dirty="0"/>
+              <a:t>&lt;&lt; </a:t>
+            </a:r>
+            <a:r>
+              <a:rPr lang="ko-KR" altLang="en-US" dirty="0"/>
+              <a:t>용어 정해야할듯</a:t>
+            </a:r>
+            <a:r>
+              <a:rPr lang="en-US" altLang="ko-KR" dirty="0"/>
+              <a:t>(</a:t>
+            </a:r>
+            <a:r>
+              <a:rPr lang="ko-KR" altLang="en-US" dirty="0"/>
+              <a:t>행사</a:t>
+            </a:r>
+            <a:r>
+              <a:rPr lang="en-US" altLang="ko-KR" dirty="0"/>
+              <a:t>?</a:t>
+            </a:r>
+            <a:r>
+              <a:rPr lang="ko-KR" altLang="en-US" dirty="0"/>
+              <a:t>모임</a:t>
+            </a:r>
+            <a:r>
+              <a:rPr lang="en-US" altLang="ko-KR" dirty="0"/>
+              <a:t>?</a:t>
+            </a:r>
+            <a:r>
+              <a:rPr lang="ko-KR" altLang="en-US" dirty="0"/>
+              <a:t>강연</a:t>
+            </a:r>
+            <a:r>
+              <a:rPr lang="en-US" altLang="ko-KR" dirty="0"/>
+              <a:t>?)</a:t>
+            </a:r>
+          </a:p>
+          <a:p>
+            <a:pPr marL="228600" lvl="0" indent="-50800" algn="l" rtl="0">
+              <a:lnSpc>
+                <a:spcPct val="90000"/>
+              </a:lnSpc>
+              <a:spcBef>
+                <a:spcPts val="0"/>
+              </a:spcBef>
+              <a:spcAft>
+                <a:spcPts val="0"/>
+              </a:spcAft>
+              <a:buClr>
+                <a:schemeClr val="dk1"/>
+              </a:buClr>
+              <a:buSzPts val="2800"/>
+              <a:buNone/>
+            </a:pPr>
+            <a:endParaRPr dirty="0"/>
           </a:p>
         </p:txBody>
       </p:sp>
